--- a/ReactDotNet - An Introduction.pptx
+++ b/ReactDotNet - An Introduction.pptx
@@ -11,10 +11,10 @@
     <p:sldMasterId id="2147483930" r:id="rId8"/>
   </p:sldMasterIdLst>
   <p:notesMasterIdLst>
-    <p:notesMasterId r:id="rId21"/>
+    <p:notesMasterId r:id="rId22"/>
   </p:notesMasterIdLst>
   <p:handoutMasterIdLst>
-    <p:handoutMasterId r:id="rId22"/>
+    <p:handoutMasterId r:id="rId23"/>
   </p:handoutMasterIdLst>
   <p:sldIdLst>
     <p:sldId id="607" r:id="rId9"/>
@@ -28,7 +28,8 @@
     <p:sldId id="674" r:id="rId17"/>
     <p:sldId id="675" r:id="rId18"/>
     <p:sldId id="663" r:id="rId19"/>
-    <p:sldId id="672" r:id="rId20"/>
+    <p:sldId id="676" r:id="rId20"/>
+    <p:sldId id="672" r:id="rId21"/>
   </p:sldIdLst>
   <p:sldSz cx="9144000" cy="5143500" type="screen16x9"/>
   <p:notesSz cx="6805613" cy="9939338"/>
@@ -245,7 +246,7 @@
                 <a:cs typeface="Segoe UI" panose="020B0502040204020203" pitchFamily="34" charset="0"/>
               </a:rPr>
               <a:pPr/>
-              <a:t>27/03/2016</a:t>
+              <a:t>28/03/2016</a:t>
             </a:fld>
             <a:endParaRPr lang="en-NZ" sz="1100" dirty="0">
               <a:latin typeface="Calibri" pitchFamily="34" charset="0"/>
@@ -7160,14 +7161,14 @@
           </a:ln>
           <a:extLst>
             <a:ext uri="{909E8E84-426E-40dd-AFC4-6F175D3DCCD1}">
-              <a14:hiddenFill xmlns:a14="http://schemas.microsoft.com/office/drawing/2010/main" xmlns="">
+              <a14:hiddenFill xmlns="" xmlns:a14="http://schemas.microsoft.com/office/drawing/2010/main">
                 <a:solidFill>
                   <a:srgbClr val="FFFFFF"/>
                 </a:solidFill>
               </a14:hiddenFill>
             </a:ext>
             <a:ext uri="{91240B29-F687-4f45-9708-019B960494DF}">
-              <a14:hiddenLine xmlns:a14="http://schemas.microsoft.com/office/drawing/2010/main" xmlns="" w="9525">
+              <a14:hiddenLine xmlns="" xmlns:a14="http://schemas.microsoft.com/office/drawing/2010/main" w="9525">
                 <a:solidFill>
                   <a:srgbClr val="000000"/>
                 </a:solidFill>
@@ -7501,14 +7502,14 @@
           </a:ln>
           <a:extLst>
             <a:ext uri="{909E8E84-426E-40dd-AFC4-6F175D3DCCD1}">
-              <a14:hiddenFill xmlns:a14="http://schemas.microsoft.com/office/drawing/2010/main" xmlns="">
+              <a14:hiddenFill xmlns="" xmlns:a14="http://schemas.microsoft.com/office/drawing/2010/main">
                 <a:solidFill>
                   <a:srgbClr val="FFFFFF"/>
                 </a:solidFill>
               </a14:hiddenFill>
             </a:ext>
             <a:ext uri="{91240B29-F687-4f45-9708-019B960494DF}">
-              <a14:hiddenLine xmlns:a14="http://schemas.microsoft.com/office/drawing/2010/main" xmlns="" w="9525">
+              <a14:hiddenLine xmlns="" xmlns:a14="http://schemas.microsoft.com/office/drawing/2010/main" w="9525">
                 <a:solidFill>
                   <a:srgbClr val="000000"/>
                 </a:solidFill>
@@ -8931,14 +8932,14 @@
           </a:ln>
           <a:extLst>
             <a:ext uri="{909E8E84-426E-40dd-AFC4-6F175D3DCCD1}">
-              <a14:hiddenFill xmlns:a14="http://schemas.microsoft.com/office/drawing/2010/main" xmlns="">
+              <a14:hiddenFill xmlns="" xmlns:a14="http://schemas.microsoft.com/office/drawing/2010/main">
                 <a:solidFill>
                   <a:srgbClr val="FFFFFF"/>
                 </a:solidFill>
               </a14:hiddenFill>
             </a:ext>
             <a:ext uri="{91240B29-F687-4f45-9708-019B960494DF}">
-              <a14:hiddenLine xmlns:a14="http://schemas.microsoft.com/office/drawing/2010/main" xmlns="" w="9525">
+              <a14:hiddenLine xmlns="" xmlns:a14="http://schemas.microsoft.com/office/drawing/2010/main" w="9525">
                 <a:solidFill>
                   <a:srgbClr val="000000"/>
                 </a:solidFill>
@@ -9636,7 +9637,7 @@
               <a:defRPr/>
             </a:pPr>
             <a:r>
-              <a:rPr lang="en-US" sz="1400" kern="0" smtClean="0">
+              <a:rPr lang="en-US" sz="1400" kern="0" noProof="0" dirty="0" smtClean="0">
                 <a:solidFill>
                   <a:schemeClr val="bg1"/>
                 </a:solidFill>
@@ -9644,18 +9645,7 @@
                 <a:ea typeface="Segoe UI" pitchFamily="34" charset="0"/>
                 <a:cs typeface="Segoe UI" pitchFamily="34" charset="0"/>
               </a:rPr>
-              <a:t>25</a:t>
-            </a:r>
-            <a:r>
-              <a:rPr lang="en-US" sz="1400" kern="0" noProof="0" smtClean="0">
-                <a:solidFill>
-                  <a:schemeClr val="bg1"/>
-                </a:solidFill>
-                <a:latin typeface="Segoe UI" pitchFamily="34" charset="0"/>
-                <a:ea typeface="Segoe UI" pitchFamily="34" charset="0"/>
-                <a:cs typeface="Segoe UI" pitchFamily="34" charset="0"/>
-              </a:rPr>
-              <a:t> </a:t>
+              <a:t>29</a:t>
             </a:r>
             <a:r>
               <a:rPr lang="en-US" sz="1400" kern="0" noProof="0" dirty="0" smtClean="0">
@@ -9666,7 +9656,7 @@
                 <a:ea typeface="Segoe UI" pitchFamily="34" charset="0"/>
                 <a:cs typeface="Segoe UI" pitchFamily="34" charset="0"/>
               </a:rPr>
-              <a:t>August 2015</a:t>
+              <a:t> March 2016</a:t>
             </a:r>
             <a:endParaRPr kumimoji="0" lang="en-US" sz="1400" b="0" i="0" u="none" strike="noStrike" kern="0" cap="none" spc="0" normalizeH="0" baseline="0" noProof="0" dirty="0">
               <a:ln>
@@ -9970,27 +9960,8 @@
                 <a:ea typeface="Segoe UI" pitchFamily="34" charset="0"/>
                 <a:cs typeface="Arial"/>
               </a:rPr>
-              <a:t>A </a:t>
+              <a:t>A more in depth demo</a:t>
             </a:r>
-            <a:r>
-              <a:rPr lang="en-NZ" sz="4000" i="1" kern="0" dirty="0" smtClean="0">
-                <a:solidFill>
-                  <a:schemeClr val="bg1"/>
-                </a:solidFill>
-                <a:latin typeface="Segoe UI Light" panose="020B0502040204020203" pitchFamily="34" charset="0"/>
-                <a:ea typeface="Segoe UI" pitchFamily="34" charset="0"/>
-                <a:cs typeface="Arial"/>
-              </a:rPr>
-              <a:t>more in depth demo</a:t>
-            </a:r>
-            <a:endParaRPr lang="en-NZ" sz="4000" i="1" kern="0" dirty="0" smtClean="0">
-              <a:solidFill>
-                <a:schemeClr val="bg1"/>
-              </a:solidFill>
-              <a:latin typeface="Segoe UI Light" panose="020B0502040204020203" pitchFamily="34" charset="0"/>
-              <a:ea typeface="Segoe UI" pitchFamily="34" charset="0"/>
-              <a:cs typeface="Arial"/>
-            </a:endParaRPr>
           </a:p>
           <a:p>
             <a:pPr algn="ctr"/>
@@ -10275,6 +10246,455 @@
           <a:lstStyle/>
           <a:p>
             <a:r>
+              <a:rPr lang="en-NZ" dirty="0" smtClean="0"/>
+              <a:t>Comparisons</a:t>
+            </a:r>
+            <a:endParaRPr lang="en-NZ" dirty="0"/>
+          </a:p>
+        </p:txBody>
+      </p:sp>
+      <p:sp>
+        <p:nvSpPr>
+          <p:cNvPr id="3" name="Text Placeholder 2"/>
+          <p:cNvSpPr>
+            <a:spLocks noGrp="1"/>
+          </p:cNvSpPr>
+          <p:nvPr>
+            <p:ph type="body" sz="quarter" idx="11"/>
+          </p:nvPr>
+        </p:nvSpPr>
+        <p:spPr>
+          <a:xfrm>
+            <a:off x="683568" y="957141"/>
+            <a:ext cx="5363290" cy="498981"/>
+          </a:xfrm>
+        </p:spPr>
+        <p:txBody>
+          <a:bodyPr/>
+          <a:lstStyle/>
+          <a:p>
+            <a:r>
+              <a:rPr lang="en-NZ" dirty="0" smtClean="0"/>
+              <a:t>Flux is hard!</a:t>
+            </a:r>
+            <a:endParaRPr lang="en-NZ" dirty="0"/>
+          </a:p>
+        </p:txBody>
+      </p:sp>
+      <p:sp>
+        <p:nvSpPr>
+          <p:cNvPr id="4" name="TextBox 3"/>
+          <p:cNvSpPr txBox="1"/>
+          <p:nvPr/>
+        </p:nvSpPr>
+        <p:spPr>
+          <a:xfrm>
+            <a:off x="539552" y="1421363"/>
+            <a:ext cx="7776864" cy="923330"/>
+          </a:xfrm>
+          <a:prstGeom prst="rect">
+            <a:avLst/>
+          </a:prstGeom>
+          <a:noFill/>
+        </p:spPr>
+        <p:txBody>
+          <a:bodyPr wrap="square" rtlCol="0">
+            <a:spAutoFit/>
+          </a:bodyPr>
+          <a:lstStyle/>
+          <a:p>
+            <a:r>
+              <a:rPr lang="en-NZ" sz="1800" dirty="0" smtClean="0">
+                <a:latin typeface="Segoe UI" pitchFamily="34" charset="0"/>
+                <a:ea typeface="Segoe UI" pitchFamily="34" charset="0"/>
+                <a:cs typeface="Segoe UI" pitchFamily="34" charset="0"/>
+              </a:rPr>
+              <a:t>Flux and especially redux can be a steep learning curve.. It is worth it I think in terms of maintainability and predictability in the system. A lot of boilerplate.</a:t>
+            </a:r>
+            <a:endParaRPr lang="en-NZ" sz="1800" dirty="0" smtClean="0">
+              <a:latin typeface="Segoe UI" pitchFamily="34" charset="0"/>
+              <a:ea typeface="Segoe UI" pitchFamily="34" charset="0"/>
+              <a:cs typeface="Segoe UI" pitchFamily="34" charset="0"/>
+            </a:endParaRPr>
+          </a:p>
+        </p:txBody>
+      </p:sp>
+      <p:sp>
+        <p:nvSpPr>
+          <p:cNvPr id="11" name="Text Placeholder 2"/>
+          <p:cNvSpPr>
+            <a:spLocks noGrp="1"/>
+          </p:cNvSpPr>
+          <p:nvPr>
+            <p:ph type="body" sz="quarter" idx="11"/>
+          </p:nvPr>
+        </p:nvSpPr>
+        <p:spPr>
+          <a:xfrm>
+            <a:off x="557602" y="2571616"/>
+            <a:ext cx="6820508" cy="498981"/>
+          </a:xfrm>
+        </p:spPr>
+        <p:txBody>
+          <a:bodyPr/>
+          <a:lstStyle/>
+          <a:p>
+            <a:r>
+              <a:rPr lang="en-NZ" dirty="0" smtClean="0"/>
+              <a:t>Comparisons with Angular 2.0 and Ember</a:t>
+            </a:r>
+            <a:endParaRPr lang="en-NZ" dirty="0"/>
+          </a:p>
+        </p:txBody>
+      </p:sp>
+      <p:sp>
+        <p:nvSpPr>
+          <p:cNvPr id="12" name="TextBox 11"/>
+          <p:cNvSpPr txBox="1"/>
+          <p:nvPr/>
+        </p:nvSpPr>
+        <p:spPr>
+          <a:xfrm>
+            <a:off x="558352" y="3093471"/>
+            <a:ext cx="7776864" cy="1477328"/>
+          </a:xfrm>
+          <a:prstGeom prst="rect">
+            <a:avLst/>
+          </a:prstGeom>
+          <a:noFill/>
+        </p:spPr>
+        <p:txBody>
+          <a:bodyPr wrap="square" rtlCol="0">
+            <a:spAutoFit/>
+          </a:bodyPr>
+          <a:lstStyle/>
+          <a:p>
+            <a:r>
+              <a:rPr lang="en-NZ" sz="1800" dirty="0" smtClean="0">
+                <a:latin typeface="Segoe UI" pitchFamily="34" charset="0"/>
+                <a:ea typeface="Segoe UI" pitchFamily="34" charset="0"/>
+                <a:cs typeface="Segoe UI" pitchFamily="34" charset="0"/>
+              </a:rPr>
+              <a:t>I have not used either. But from what I have heard and read they are both using a lot of the best of the React performance tricks but both are still frameworks (react being a library).</a:t>
+            </a:r>
+          </a:p>
+          <a:p>
+            <a:r>
+              <a:rPr lang="en-NZ" sz="1800" dirty="0" smtClean="0">
+                <a:latin typeface="Segoe UI" pitchFamily="34" charset="0"/>
+                <a:ea typeface="Segoe UI" pitchFamily="34" charset="0"/>
+                <a:cs typeface="Segoe UI" pitchFamily="34" charset="0"/>
+              </a:rPr>
+              <a:t>Cons: Decision fatigue, tool fatigue, does not embrace web components</a:t>
+            </a:r>
+          </a:p>
+          <a:p>
+            <a:r>
+              <a:rPr lang="en-NZ" sz="1800" dirty="0" smtClean="0">
+                <a:latin typeface="Segoe UI" pitchFamily="34" charset="0"/>
+                <a:ea typeface="Segoe UI" pitchFamily="34" charset="0"/>
+                <a:cs typeface="Segoe UI" pitchFamily="34" charset="0"/>
+              </a:rPr>
+              <a:t>Pros: Easy to learn, </a:t>
+            </a:r>
+            <a:r>
+              <a:rPr lang="en-NZ" sz="1800" dirty="0" err="1" smtClean="0">
+                <a:latin typeface="Segoe UI" pitchFamily="34" charset="0"/>
+                <a:ea typeface="Segoe UI" pitchFamily="34" charset="0"/>
+                <a:cs typeface="Segoe UI" pitchFamily="34" charset="0"/>
+              </a:rPr>
+              <a:t>javascript</a:t>
+            </a:r>
+            <a:r>
+              <a:rPr lang="en-NZ" sz="1800" dirty="0" smtClean="0">
+                <a:latin typeface="Segoe UI" pitchFamily="34" charset="0"/>
+                <a:ea typeface="Segoe UI" pitchFamily="34" charset="0"/>
+                <a:cs typeface="Segoe UI" pitchFamily="34" charset="0"/>
+              </a:rPr>
+              <a:t> centric, encourages consistency with tooling</a:t>
+            </a:r>
+            <a:endParaRPr lang="en-NZ" sz="1800" dirty="0" smtClean="0">
+              <a:latin typeface="Segoe UI" pitchFamily="34" charset="0"/>
+              <a:ea typeface="Segoe UI" pitchFamily="34" charset="0"/>
+              <a:cs typeface="Segoe UI" pitchFamily="34" charset="0"/>
+            </a:endParaRPr>
+          </a:p>
+        </p:txBody>
+      </p:sp>
+    </p:spTree>
+    <p:extLst>
+      <p:ext uri="{BB962C8B-B14F-4D97-AF65-F5344CB8AC3E}">
+        <p14:creationId xmlns:p14="http://schemas.microsoft.com/office/powerpoint/2010/main" val="3709812479"/>
+      </p:ext>
+    </p:extLst>
+  </p:cSld>
+  <p:clrMapOvr>
+    <a:masterClrMapping/>
+  </p:clrMapOvr>
+  <p:timing>
+    <p:tnLst>
+      <p:par>
+        <p:cTn id="1" dur="indefinite" restart="never" nodeType="tmRoot">
+          <p:childTnLst>
+            <p:seq concurrent="1" nextAc="seek">
+              <p:cTn id="2" dur="indefinite" nodeType="mainSeq">
+                <p:childTnLst>
+                  <p:par>
+                    <p:cTn id="3" fill="hold">
+                      <p:stCondLst>
+                        <p:cond delay="indefinite"/>
+                      </p:stCondLst>
+                      <p:childTnLst>
+                        <p:par>
+                          <p:cTn id="4" fill="hold">
+                            <p:stCondLst>
+                              <p:cond delay="0"/>
+                            </p:stCondLst>
+                            <p:childTnLst>
+                              <p:par>
+                                <p:cTn id="5" presetID="10" presetClass="entr" presetSubtype="0" fill="hold" grpId="0" nodeType="clickEffect">
+                                  <p:stCondLst>
+                                    <p:cond delay="0"/>
+                                  </p:stCondLst>
+                                  <p:childTnLst>
+                                    <p:set>
+                                      <p:cBhvr>
+                                        <p:cTn id="6" dur="1" fill="hold">
+                                          <p:stCondLst>
+                                            <p:cond delay="0"/>
+                                          </p:stCondLst>
+                                        </p:cTn>
+                                        <p:tgtEl>
+                                          <p:spTgt spid="3">
+                                            <p:txEl>
+                                              <p:pRg st="0" end="0"/>
+                                            </p:txEl>
+                                          </p:spTgt>
+                                        </p:tgtEl>
+                                        <p:attrNameLst>
+                                          <p:attrName>style.visibility</p:attrName>
+                                        </p:attrNameLst>
+                                      </p:cBhvr>
+                                      <p:to>
+                                        <p:strVal val="visible"/>
+                                      </p:to>
+                                    </p:set>
+                                    <p:animEffect transition="in" filter="fade">
+                                      <p:cBhvr>
+                                        <p:cTn id="7" dur="500"/>
+                                        <p:tgtEl>
+                                          <p:spTgt spid="3">
+                                            <p:txEl>
+                                              <p:pRg st="0" end="0"/>
+                                            </p:txEl>
+                                          </p:spTgt>
+                                        </p:tgtEl>
+                                      </p:cBhvr>
+                                    </p:animEffect>
+                                  </p:childTnLst>
+                                </p:cTn>
+                              </p:par>
+                              <p:par>
+                                <p:cTn id="8" presetID="10" presetClass="entr" presetSubtype="0" fill="hold" grpId="0" nodeType="withEffect">
+                                  <p:stCondLst>
+                                    <p:cond delay="0"/>
+                                  </p:stCondLst>
+                                  <p:childTnLst>
+                                    <p:set>
+                                      <p:cBhvr>
+                                        <p:cTn id="9" dur="1" fill="hold">
+                                          <p:stCondLst>
+                                            <p:cond delay="0"/>
+                                          </p:stCondLst>
+                                        </p:cTn>
+                                        <p:tgtEl>
+                                          <p:spTgt spid="4"/>
+                                        </p:tgtEl>
+                                        <p:attrNameLst>
+                                          <p:attrName>style.visibility</p:attrName>
+                                        </p:attrNameLst>
+                                      </p:cBhvr>
+                                      <p:to>
+                                        <p:strVal val="visible"/>
+                                      </p:to>
+                                    </p:set>
+                                    <p:animEffect transition="in" filter="fade">
+                                      <p:cBhvr>
+                                        <p:cTn id="10" dur="500"/>
+                                        <p:tgtEl>
+                                          <p:spTgt spid="4"/>
+                                        </p:tgtEl>
+                                      </p:cBhvr>
+                                    </p:animEffect>
+                                  </p:childTnLst>
+                                </p:cTn>
+                              </p:par>
+                            </p:childTnLst>
+                          </p:cTn>
+                        </p:par>
+                      </p:childTnLst>
+                    </p:cTn>
+                  </p:par>
+                  <p:par>
+                    <p:cTn id="11" fill="hold">
+                      <p:stCondLst>
+                        <p:cond delay="indefinite"/>
+                      </p:stCondLst>
+                      <p:childTnLst>
+                        <p:par>
+                          <p:cTn id="12" fill="hold">
+                            <p:stCondLst>
+                              <p:cond delay="0"/>
+                            </p:stCondLst>
+                            <p:childTnLst>
+                              <p:par>
+                                <p:cTn id="13" presetID="10" presetClass="entr" presetSubtype="0" fill="hold" grpId="0" nodeType="clickEffect">
+                                  <p:stCondLst>
+                                    <p:cond delay="0"/>
+                                  </p:stCondLst>
+                                  <p:childTnLst>
+                                    <p:set>
+                                      <p:cBhvr>
+                                        <p:cTn id="14" dur="1" fill="hold">
+                                          <p:stCondLst>
+                                            <p:cond delay="0"/>
+                                          </p:stCondLst>
+                                        </p:cTn>
+                                        <p:tgtEl>
+                                          <p:spTgt spid="11">
+                                            <p:txEl>
+                                              <p:pRg st="0" end="0"/>
+                                            </p:txEl>
+                                          </p:spTgt>
+                                        </p:tgtEl>
+                                        <p:attrNameLst>
+                                          <p:attrName>style.visibility</p:attrName>
+                                        </p:attrNameLst>
+                                      </p:cBhvr>
+                                      <p:to>
+                                        <p:strVal val="visible"/>
+                                      </p:to>
+                                    </p:set>
+                                    <p:animEffect transition="in" filter="fade">
+                                      <p:cBhvr>
+                                        <p:cTn id="15" dur="500"/>
+                                        <p:tgtEl>
+                                          <p:spTgt spid="11">
+                                            <p:txEl>
+                                              <p:pRg st="0" end="0"/>
+                                            </p:txEl>
+                                          </p:spTgt>
+                                        </p:tgtEl>
+                                      </p:cBhvr>
+                                    </p:animEffect>
+                                  </p:childTnLst>
+                                </p:cTn>
+                              </p:par>
+                              <p:par>
+                                <p:cTn id="16" presetID="10" presetClass="entr" presetSubtype="0" fill="hold" grpId="0" nodeType="withEffect">
+                                  <p:stCondLst>
+                                    <p:cond delay="0"/>
+                                  </p:stCondLst>
+                                  <p:childTnLst>
+                                    <p:set>
+                                      <p:cBhvr>
+                                        <p:cTn id="17" dur="1" fill="hold">
+                                          <p:stCondLst>
+                                            <p:cond delay="0"/>
+                                          </p:stCondLst>
+                                        </p:cTn>
+                                        <p:tgtEl>
+                                          <p:spTgt spid="12"/>
+                                        </p:tgtEl>
+                                        <p:attrNameLst>
+                                          <p:attrName>style.visibility</p:attrName>
+                                        </p:attrNameLst>
+                                      </p:cBhvr>
+                                      <p:to>
+                                        <p:strVal val="visible"/>
+                                      </p:to>
+                                    </p:set>
+                                    <p:animEffect transition="in" filter="fade">
+                                      <p:cBhvr>
+                                        <p:cTn id="18" dur="500"/>
+                                        <p:tgtEl>
+                                          <p:spTgt spid="12"/>
+                                        </p:tgtEl>
+                                      </p:cBhvr>
+                                    </p:animEffect>
+                                  </p:childTnLst>
+                                </p:cTn>
+                              </p:par>
+                            </p:childTnLst>
+                          </p:cTn>
+                        </p:par>
+                      </p:childTnLst>
+                    </p:cTn>
+                  </p:par>
+                </p:childTnLst>
+              </p:cTn>
+              <p:prevCondLst>
+                <p:cond evt="onPrev" delay="0">
+                  <p:tgtEl>
+                    <p:sldTgt/>
+                  </p:tgtEl>
+                </p:cond>
+              </p:prevCondLst>
+              <p:nextCondLst>
+                <p:cond evt="onNext" delay="0">
+                  <p:tgtEl>
+                    <p:sldTgt/>
+                  </p:tgtEl>
+                </p:cond>
+              </p:nextCondLst>
+            </p:seq>
+          </p:childTnLst>
+        </p:cTn>
+      </p:par>
+    </p:tnLst>
+    <p:bldLst>
+      <p:bldP spid="3" grpId="0" build="p"/>
+      <p:bldP spid="4" grpId="0"/>
+      <p:bldP spid="11" grpId="0" build="p"/>
+      <p:bldP spid="12" grpId="0"/>
+    </p:bldLst>
+  </p:timing>
+</p:sld>
+</file>
+
+<file path=ppt/slides/slide13.xml><?xml version="1.0" encoding="utf-8"?>
+<p:sld xmlns:a="http://schemas.openxmlformats.org/drawingml/2006/main" xmlns:r="http://schemas.openxmlformats.org/officeDocument/2006/relationships" xmlns:p="http://schemas.openxmlformats.org/presentationml/2006/main">
+  <p:cSld>
+    <p:spTree>
+      <p:nvGrpSpPr>
+        <p:cNvPr id="1" name=""/>
+        <p:cNvGrpSpPr/>
+        <p:nvPr/>
+      </p:nvGrpSpPr>
+      <p:grpSpPr>
+        <a:xfrm>
+          <a:off x="0" y="0"/>
+          <a:ext cx="0" cy="0"/>
+          <a:chOff x="0" y="0"/>
+          <a:chExt cx="0" cy="0"/>
+        </a:xfrm>
+      </p:grpSpPr>
+      <p:sp>
+        <p:nvSpPr>
+          <p:cNvPr id="2" name="Title 1"/>
+          <p:cNvSpPr>
+            <a:spLocks noGrp="1"/>
+          </p:cNvSpPr>
+          <p:nvPr>
+            <p:ph type="title"/>
+          </p:nvPr>
+        </p:nvSpPr>
+        <p:spPr/>
+        <p:txBody>
+          <a:bodyPr/>
+          <a:lstStyle/>
+          <a:p>
+            <a:r>
               <a:rPr lang="en-NZ" dirty="0" smtClean="0">
                 <a:solidFill>
                   <a:schemeClr val="bg1"/>
@@ -10409,7 +10829,7 @@
           </a:p>
           <a:p>
             <a:r>
-              <a:rPr lang="en-NZ" sz="2800" dirty="0" smtClean="0">
+              <a:rPr lang="en-NZ" sz="2800" dirty="0">
                 <a:solidFill>
                   <a:schemeClr val="bg1"/>
                 </a:solidFill>
@@ -10417,8 +10837,27 @@
                 <a:ea typeface="Segoe UI" pitchFamily="34" charset="0"/>
                 <a:cs typeface="Segoe UI" pitchFamily="34" charset="0"/>
               </a:rPr>
-              <a:t>Propertyplot.co.nz</a:t>
+              <a:t>p</a:t>
             </a:r>
+            <a:r>
+              <a:rPr lang="en-NZ" sz="2800" smtClean="0">
+                <a:solidFill>
+                  <a:schemeClr val="bg1"/>
+                </a:solidFill>
+                <a:latin typeface="Segoe UI" pitchFamily="34" charset="0"/>
+                <a:ea typeface="Segoe UI" pitchFamily="34" charset="0"/>
+                <a:cs typeface="Segoe UI" pitchFamily="34" charset="0"/>
+              </a:rPr>
+              <a:t>ropertyplot.co.nz</a:t>
+            </a:r>
+            <a:endParaRPr lang="en-NZ" sz="2800" dirty="0" smtClean="0">
+              <a:solidFill>
+                <a:schemeClr val="bg1"/>
+              </a:solidFill>
+              <a:latin typeface="Segoe UI" pitchFamily="34" charset="0"/>
+              <a:ea typeface="Segoe UI" pitchFamily="34" charset="0"/>
+              <a:cs typeface="Segoe UI" pitchFamily="34" charset="0"/>
+            </a:endParaRPr>
           </a:p>
         </p:txBody>
       </p:sp>
@@ -10708,14 +11147,36 @@
           <a:p>
             <a:r>
               <a:rPr lang="en-US" dirty="0" smtClean="0"/>
-              <a:t>Introduction to the framework and ecosystem</a:t>
+              <a:t>Introduction to the framework and </a:t>
+            </a:r>
+            <a:r>
+              <a:rPr lang="en-US" dirty="0" smtClean="0"/>
+              <a:t>ecosystem</a:t>
             </a:r>
           </a:p>
           <a:p>
             <a:r>
               <a:rPr lang="en-US" dirty="0" smtClean="0"/>
-              <a:t>How it fits in with the .NET world</a:t>
+              <a:t>Flux</a:t>
             </a:r>
+            <a:endParaRPr lang="en-US" dirty="0" smtClean="0"/>
+          </a:p>
+          <a:p>
+            <a:r>
+              <a:rPr lang="en-US" dirty="0" smtClean="0"/>
+              <a:t>How it fits in with the .NET </a:t>
+            </a:r>
+            <a:r>
+              <a:rPr lang="en-US" dirty="0" smtClean="0"/>
+              <a:t>world</a:t>
+            </a:r>
+          </a:p>
+          <a:p>
+            <a:r>
+              <a:rPr lang="en-US" dirty="0" smtClean="0"/>
+              <a:t>Comparisons and thoughts</a:t>
+            </a:r>
+            <a:endParaRPr lang="en-US" dirty="0" smtClean="0"/>
           </a:p>
           <a:p>
             <a:endParaRPr lang="en-US" dirty="0" smtClean="0"/>
@@ -10921,6 +11382,128 @@
                                           <p:spTgt spid="6">
                                             <p:txEl>
                                               <p:pRg st="2" end="2"/>
+                                            </p:txEl>
+                                          </p:spTgt>
+                                        </p:tgtEl>
+                                      </p:cBhvr>
+                                    </p:animEffect>
+                                  </p:childTnLst>
+                                </p:cTn>
+                              </p:par>
+                            </p:childTnLst>
+                          </p:cTn>
+                        </p:par>
+                      </p:childTnLst>
+                    </p:cTn>
+                  </p:par>
+                  <p:par>
+                    <p:cTn id="18" fill="hold">
+                      <p:stCondLst>
+                        <p:cond delay="indefinite"/>
+                      </p:stCondLst>
+                      <p:childTnLst>
+                        <p:par>
+                          <p:cTn id="19" fill="hold">
+                            <p:stCondLst>
+                              <p:cond delay="0"/>
+                            </p:stCondLst>
+                            <p:childTnLst>
+                              <p:par>
+                                <p:cTn id="20" presetID="10" presetClass="entr" presetSubtype="0" fill="hold" grpId="0" nodeType="clickEffect">
+                                  <p:stCondLst>
+                                    <p:cond delay="0"/>
+                                  </p:stCondLst>
+                                  <p:childTnLst>
+                                    <p:set>
+                                      <p:cBhvr>
+                                        <p:cTn id="21" dur="1" fill="hold">
+                                          <p:stCondLst>
+                                            <p:cond delay="0"/>
+                                          </p:stCondLst>
+                                        </p:cTn>
+                                        <p:tgtEl>
+                                          <p:spTgt spid="6">
+                                            <p:txEl>
+                                              <p:pRg st="3" end="3"/>
+                                            </p:txEl>
+                                          </p:spTgt>
+                                        </p:tgtEl>
+                                        <p:attrNameLst>
+                                          <p:attrName>style.visibility</p:attrName>
+                                        </p:attrNameLst>
+                                      </p:cBhvr>
+                                      <p:to>
+                                        <p:strVal val="visible"/>
+                                      </p:to>
+                                    </p:set>
+                                    <p:animEffect transition="in" filter="fade">
+                                      <p:cBhvr>
+                                        <p:cTn id="22" dur="500"/>
+                                        <p:tgtEl>
+                                          <p:spTgt spid="6">
+                                            <p:txEl>
+                                              <p:pRg st="3" end="3"/>
+                                            </p:txEl>
+                                          </p:spTgt>
+                                        </p:tgtEl>
+                                      </p:cBhvr>
+                                    </p:animEffect>
+                                  </p:childTnLst>
+                                </p:cTn>
+                              </p:par>
+                            </p:childTnLst>
+                          </p:cTn>
+                        </p:par>
+                      </p:childTnLst>
+                    </p:cTn>
+                  </p:par>
+                  <p:par>
+                    <p:cTn id="23" fill="hold">
+                      <p:stCondLst>
+                        <p:cond delay="indefinite"/>
+                      </p:stCondLst>
+                      <p:childTnLst>
+                        <p:par>
+                          <p:cTn id="24" fill="hold">
+                            <p:stCondLst>
+                              <p:cond delay="0"/>
+                            </p:stCondLst>
+                            <p:childTnLst>
+                              <p:par>
+                                <p:cTn id="25" presetID="10" presetClass="entr" presetSubtype="0" fill="hold" grpId="0" nodeType="clickEffect">
+                                  <p:stCondLst>
+                                    <p:cond delay="0"/>
+                                  </p:stCondLst>
+                                  <p:childTnLst>
+                                    <p:set>
+                                      <p:cBhvr>
+                                        <p:cTn id="26" dur="1" fill="hold">
+                                          <p:stCondLst>
+                                            <p:cond delay="0"/>
+                                          </p:stCondLst>
+                                        </p:cTn>
+                                        <p:tgtEl>
+                                          <p:spTgt spid="6">
+                                            <p:txEl>
+                                              <p:pRg st="4" end="4"/>
+                                            </p:txEl>
+                                          </p:spTgt>
+                                        </p:tgtEl>
+                                        <p:attrNameLst>
+                                          <p:attrName>style.visibility</p:attrName>
+                                        </p:attrNameLst>
+                                      </p:cBhvr>
+                                      <p:to>
+                                        <p:strVal val="visible"/>
+                                      </p:to>
+                                    </p:set>
+                                    <p:animEffect transition="in" filter="fade">
+                                      <p:cBhvr>
+                                        <p:cTn id="27" dur="500"/>
+                                        <p:tgtEl>
+                                          <p:spTgt spid="6">
+                                            <p:txEl>
+                                              <p:pRg st="4" end="4"/>
                                             </p:txEl>
                                           </p:spTgt>
                                         </p:tgtEl>
@@ -11594,7 +12177,7 @@
         </p:nvSpPr>
         <p:spPr>
           <a:xfrm>
-            <a:off x="539552" y="987574"/>
+            <a:off x="473218" y="987574"/>
             <a:ext cx="7920880" cy="1477328"/>
           </a:xfrm>
           <a:prstGeom prst="rect">
@@ -11721,7 +12304,274 @@
   <p:timing>
     <p:tnLst>
       <p:par>
-        <p:cTn id="1" dur="indefinite" restart="never" nodeType="tmRoot"/>
+        <p:cTn id="1" dur="indefinite" restart="never" nodeType="tmRoot">
+          <p:childTnLst>
+            <p:seq concurrent="1" nextAc="seek">
+              <p:cTn id="2" dur="indefinite" nodeType="mainSeq">
+                <p:childTnLst>
+                  <p:par>
+                    <p:cTn id="3" fill="hold">
+                      <p:stCondLst>
+                        <p:cond delay="indefinite"/>
+                      </p:stCondLst>
+                      <p:childTnLst>
+                        <p:par>
+                          <p:cTn id="4" fill="hold">
+                            <p:stCondLst>
+                              <p:cond delay="0"/>
+                            </p:stCondLst>
+                            <p:childTnLst>
+                              <p:par>
+                                <p:cTn id="5" presetID="10" presetClass="entr" presetSubtype="0" fill="hold" nodeType="clickEffect">
+                                  <p:stCondLst>
+                                    <p:cond delay="0"/>
+                                  </p:stCondLst>
+                                  <p:childTnLst>
+                                    <p:set>
+                                      <p:cBhvr>
+                                        <p:cTn id="6" dur="1" fill="hold">
+                                          <p:stCondLst>
+                                            <p:cond delay="0"/>
+                                          </p:stCondLst>
+                                        </p:cTn>
+                                        <p:tgtEl>
+                                          <p:spTgt spid="3">
+                                            <p:txEl>
+                                              <p:pRg st="0" end="0"/>
+                                            </p:txEl>
+                                          </p:spTgt>
+                                        </p:tgtEl>
+                                        <p:attrNameLst>
+                                          <p:attrName>style.visibility</p:attrName>
+                                        </p:attrNameLst>
+                                      </p:cBhvr>
+                                      <p:to>
+                                        <p:strVal val="visible"/>
+                                      </p:to>
+                                    </p:set>
+                                    <p:animEffect transition="in" filter="fade">
+                                      <p:cBhvr>
+                                        <p:cTn id="7" dur="500"/>
+                                        <p:tgtEl>
+                                          <p:spTgt spid="3">
+                                            <p:txEl>
+                                              <p:pRg st="0" end="0"/>
+                                            </p:txEl>
+                                          </p:spTgt>
+                                        </p:tgtEl>
+                                      </p:cBhvr>
+                                    </p:animEffect>
+                                  </p:childTnLst>
+                                </p:cTn>
+                              </p:par>
+                            </p:childTnLst>
+                          </p:cTn>
+                        </p:par>
+                      </p:childTnLst>
+                    </p:cTn>
+                  </p:par>
+                  <p:par>
+                    <p:cTn id="8" fill="hold">
+                      <p:stCondLst>
+                        <p:cond delay="indefinite"/>
+                      </p:stCondLst>
+                      <p:childTnLst>
+                        <p:par>
+                          <p:cTn id="9" fill="hold">
+                            <p:stCondLst>
+                              <p:cond delay="0"/>
+                            </p:stCondLst>
+                            <p:childTnLst>
+                              <p:par>
+                                <p:cTn id="10" presetID="10" presetClass="entr" presetSubtype="0" fill="hold" nodeType="clickEffect">
+                                  <p:stCondLst>
+                                    <p:cond delay="0"/>
+                                  </p:stCondLst>
+                                  <p:childTnLst>
+                                    <p:set>
+                                      <p:cBhvr>
+                                        <p:cTn id="11" dur="1" fill="hold">
+                                          <p:stCondLst>
+                                            <p:cond delay="0"/>
+                                          </p:stCondLst>
+                                        </p:cTn>
+                                        <p:tgtEl>
+                                          <p:spTgt spid="3">
+                                            <p:txEl>
+                                              <p:pRg st="1" end="1"/>
+                                            </p:txEl>
+                                          </p:spTgt>
+                                        </p:tgtEl>
+                                        <p:attrNameLst>
+                                          <p:attrName>style.visibility</p:attrName>
+                                        </p:attrNameLst>
+                                      </p:cBhvr>
+                                      <p:to>
+                                        <p:strVal val="visible"/>
+                                      </p:to>
+                                    </p:set>
+                                    <p:animEffect transition="in" filter="fade">
+                                      <p:cBhvr>
+                                        <p:cTn id="12" dur="500"/>
+                                        <p:tgtEl>
+                                          <p:spTgt spid="3">
+                                            <p:txEl>
+                                              <p:pRg st="1" end="1"/>
+                                            </p:txEl>
+                                          </p:spTgt>
+                                        </p:tgtEl>
+                                      </p:cBhvr>
+                                    </p:animEffect>
+                                  </p:childTnLst>
+                                </p:cTn>
+                              </p:par>
+                            </p:childTnLst>
+                          </p:cTn>
+                        </p:par>
+                      </p:childTnLst>
+                    </p:cTn>
+                  </p:par>
+                  <p:par>
+                    <p:cTn id="13" fill="hold">
+                      <p:stCondLst>
+                        <p:cond delay="indefinite"/>
+                      </p:stCondLst>
+                      <p:childTnLst>
+                        <p:par>
+                          <p:cTn id="14" fill="hold">
+                            <p:stCondLst>
+                              <p:cond delay="0"/>
+                            </p:stCondLst>
+                            <p:childTnLst>
+                              <p:par>
+                                <p:cTn id="15" presetID="10" presetClass="entr" presetSubtype="0" fill="hold" nodeType="clickEffect">
+                                  <p:stCondLst>
+                                    <p:cond delay="0"/>
+                                  </p:stCondLst>
+                                  <p:childTnLst>
+                                    <p:set>
+                                      <p:cBhvr>
+                                        <p:cTn id="16" dur="1" fill="hold">
+                                          <p:stCondLst>
+                                            <p:cond delay="0"/>
+                                          </p:stCondLst>
+                                        </p:cTn>
+                                        <p:tgtEl>
+                                          <p:spTgt spid="3">
+                                            <p:txEl>
+                                              <p:pRg st="2" end="2"/>
+                                            </p:txEl>
+                                          </p:spTgt>
+                                        </p:tgtEl>
+                                        <p:attrNameLst>
+                                          <p:attrName>style.visibility</p:attrName>
+                                        </p:attrNameLst>
+                                      </p:cBhvr>
+                                      <p:to>
+                                        <p:strVal val="visible"/>
+                                      </p:to>
+                                    </p:set>
+                                    <p:animEffect transition="in" filter="fade">
+                                      <p:cBhvr>
+                                        <p:cTn id="17" dur="500"/>
+                                        <p:tgtEl>
+                                          <p:spTgt spid="3">
+                                            <p:txEl>
+                                              <p:pRg st="2" end="2"/>
+                                            </p:txEl>
+                                          </p:spTgt>
+                                        </p:tgtEl>
+                                      </p:cBhvr>
+                                    </p:animEffect>
+                                  </p:childTnLst>
+                                </p:cTn>
+                              </p:par>
+                            </p:childTnLst>
+                          </p:cTn>
+                        </p:par>
+                      </p:childTnLst>
+                    </p:cTn>
+                  </p:par>
+                  <p:par>
+                    <p:cTn id="18" fill="hold">
+                      <p:stCondLst>
+                        <p:cond delay="indefinite"/>
+                      </p:stCondLst>
+                      <p:childTnLst>
+                        <p:par>
+                          <p:cTn id="19" fill="hold">
+                            <p:stCondLst>
+                              <p:cond delay="0"/>
+                            </p:stCondLst>
+                            <p:childTnLst>
+                              <p:par>
+                                <p:cTn id="20" presetID="10" presetClass="entr" presetSubtype="0" fill="hold" nodeType="clickEffect">
+                                  <p:stCondLst>
+                                    <p:cond delay="0"/>
+                                  </p:stCondLst>
+                                  <p:childTnLst>
+                                    <p:set>
+                                      <p:cBhvr>
+                                        <p:cTn id="21" dur="1" fill="hold">
+                                          <p:stCondLst>
+                                            <p:cond delay="0"/>
+                                          </p:stCondLst>
+                                        </p:cTn>
+                                        <p:tgtEl>
+                                          <p:spTgt spid="3">
+                                            <p:txEl>
+                                              <p:pRg st="3" end="3"/>
+                                            </p:txEl>
+                                          </p:spTgt>
+                                        </p:tgtEl>
+                                        <p:attrNameLst>
+                                          <p:attrName>style.visibility</p:attrName>
+                                        </p:attrNameLst>
+                                      </p:cBhvr>
+                                      <p:to>
+                                        <p:strVal val="visible"/>
+                                      </p:to>
+                                    </p:set>
+                                    <p:animEffect transition="in" filter="fade">
+                                      <p:cBhvr>
+                                        <p:cTn id="22" dur="500"/>
+                                        <p:tgtEl>
+                                          <p:spTgt spid="3">
+                                            <p:txEl>
+                                              <p:pRg st="3" end="3"/>
+                                            </p:txEl>
+                                          </p:spTgt>
+                                        </p:tgtEl>
+                                      </p:cBhvr>
+                                    </p:animEffect>
+                                  </p:childTnLst>
+                                </p:cTn>
+                              </p:par>
+                            </p:childTnLst>
+                          </p:cTn>
+                        </p:par>
+                      </p:childTnLst>
+                    </p:cTn>
+                  </p:par>
+                </p:childTnLst>
+              </p:cTn>
+              <p:prevCondLst>
+                <p:cond evt="onPrev" delay="0">
+                  <p:tgtEl>
+                    <p:sldTgt/>
+                  </p:tgtEl>
+                </p:cond>
+              </p:prevCondLst>
+              <p:nextCondLst>
+                <p:cond evt="onNext" delay="0">
+                  <p:tgtEl>
+                    <p:sldTgt/>
+                  </p:tgtEl>
+                </p:cond>
+              </p:nextCondLst>
+            </p:seq>
+          </p:childTnLst>
+        </p:cTn>
       </p:par>
     </p:tnLst>
   </p:timing>

--- a/ReactDotNet - An Introduction.pptx
+++ b/ReactDotNet - An Introduction.pptx
@@ -10840,7 +10840,7 @@
               <a:t>p</a:t>
             </a:r>
             <a:r>
-              <a:rPr lang="en-NZ" sz="2800" smtClean="0">
+              <a:rPr lang="en-NZ" sz="2800" dirty="0" smtClean="0">
                 <a:solidFill>
                   <a:schemeClr val="bg1"/>
                 </a:solidFill>
